--- a/ptycho/notes/GPU_MS_obj_init_example.pptx
+++ b/ptycho/notes/GPU_MS_obj_init_example.pptx
@@ -5,7 +5,7 @@
     <p:sldMasterId id="2147483648" r:id="rId1"/>
   </p:sldMasterIdLst>
   <p:notesMasterIdLst>
-    <p:notesMasterId r:id="rId13"/>
+    <p:notesMasterId r:id="rId14"/>
   </p:notesMasterIdLst>
   <p:sldIdLst>
     <p:sldId id="256" r:id="rId2"/>
@@ -19,6 +19,7 @@
     <p:sldId id="266" r:id="rId10"/>
     <p:sldId id="265" r:id="rId11"/>
     <p:sldId id="264" r:id="rId12"/>
+    <p:sldId id="267" r:id="rId13"/>
   </p:sldIdLst>
   <p:sldSz cx="12192000" cy="6858000"/>
   <p:notesSz cx="6858000" cy="9144000"/>
@@ -207,7 +208,7 @@
           <a:p>
             <a:fld id="{3B76184A-690F-2D4B-8F13-A25EC1FE8F85}" type="datetimeFigureOut">
               <a:rPr lang="en-US" smtClean="0"/>
-              <a:t>6/4/21</a:t>
+              <a:t>9/27/2024</a:t>
             </a:fld>
             <a:endParaRPr lang="en-US"/>
           </a:p>
@@ -789,7 +790,7 @@
           <a:p>
             <a:fld id="{9AB416B6-4EAF-A447-9EFC-D4C76213FA63}" type="datetimeFigureOut">
               <a:rPr lang="en-US" smtClean="0"/>
-              <a:t>6/4/21</a:t>
+              <a:t>9/27/2024</a:t>
             </a:fld>
             <a:endParaRPr lang="en-US"/>
           </a:p>
@@ -987,7 +988,7 @@
           <a:p>
             <a:fld id="{9AB416B6-4EAF-A447-9EFC-D4C76213FA63}" type="datetimeFigureOut">
               <a:rPr lang="en-US" smtClean="0"/>
-              <a:t>6/4/21</a:t>
+              <a:t>9/27/2024</a:t>
             </a:fld>
             <a:endParaRPr lang="en-US"/>
           </a:p>
@@ -1195,7 +1196,7 @@
           <a:p>
             <a:fld id="{9AB416B6-4EAF-A447-9EFC-D4C76213FA63}" type="datetimeFigureOut">
               <a:rPr lang="en-US" smtClean="0"/>
-              <a:t>6/4/21</a:t>
+              <a:t>9/27/2024</a:t>
             </a:fld>
             <a:endParaRPr lang="en-US"/>
           </a:p>
@@ -1393,7 +1394,7 @@
           <a:p>
             <a:fld id="{9AB416B6-4EAF-A447-9EFC-D4C76213FA63}" type="datetimeFigureOut">
               <a:rPr lang="en-US" smtClean="0"/>
-              <a:t>6/4/21</a:t>
+              <a:t>9/27/2024</a:t>
             </a:fld>
             <a:endParaRPr lang="en-US"/>
           </a:p>
@@ -1668,7 +1669,7 @@
           <a:p>
             <a:fld id="{9AB416B6-4EAF-A447-9EFC-D4C76213FA63}" type="datetimeFigureOut">
               <a:rPr lang="en-US" smtClean="0"/>
-              <a:t>6/4/21</a:t>
+              <a:t>9/27/2024</a:t>
             </a:fld>
             <a:endParaRPr lang="en-US"/>
           </a:p>
@@ -1933,7 +1934,7 @@
           <a:p>
             <a:fld id="{9AB416B6-4EAF-A447-9EFC-D4C76213FA63}" type="datetimeFigureOut">
               <a:rPr lang="en-US" smtClean="0"/>
-              <a:t>6/4/21</a:t>
+              <a:t>9/27/2024</a:t>
             </a:fld>
             <a:endParaRPr lang="en-US"/>
           </a:p>
@@ -2345,7 +2346,7 @@
           <a:p>
             <a:fld id="{9AB416B6-4EAF-A447-9EFC-D4C76213FA63}" type="datetimeFigureOut">
               <a:rPr lang="en-US" smtClean="0"/>
-              <a:t>6/4/21</a:t>
+              <a:t>9/27/2024</a:t>
             </a:fld>
             <a:endParaRPr lang="en-US"/>
           </a:p>
@@ -2486,7 +2487,7 @@
           <a:p>
             <a:fld id="{9AB416B6-4EAF-A447-9EFC-D4C76213FA63}" type="datetimeFigureOut">
               <a:rPr lang="en-US" smtClean="0"/>
-              <a:t>6/4/21</a:t>
+              <a:t>9/27/2024</a:t>
             </a:fld>
             <a:endParaRPr lang="en-US"/>
           </a:p>
@@ -2599,7 +2600,7 @@
           <a:p>
             <a:fld id="{9AB416B6-4EAF-A447-9EFC-D4C76213FA63}" type="datetimeFigureOut">
               <a:rPr lang="en-US" smtClean="0"/>
-              <a:t>6/4/21</a:t>
+              <a:t>9/27/2024</a:t>
             </a:fld>
             <a:endParaRPr lang="en-US"/>
           </a:p>
@@ -2910,7 +2911,7 @@
           <a:p>
             <a:fld id="{9AB416B6-4EAF-A447-9EFC-D4C76213FA63}" type="datetimeFigureOut">
               <a:rPr lang="en-US" smtClean="0"/>
-              <a:t>6/4/21</a:t>
+              <a:t>9/27/2024</a:t>
             </a:fld>
             <a:endParaRPr lang="en-US"/>
           </a:p>
@@ -3198,7 +3199,7 @@
           <a:p>
             <a:fld id="{9AB416B6-4EAF-A447-9EFC-D4C76213FA63}" type="datetimeFigureOut">
               <a:rPr lang="en-US" smtClean="0"/>
-              <a:t>6/4/21</a:t>
+              <a:t>9/27/2024</a:t>
             </a:fld>
             <a:endParaRPr lang="en-US"/>
           </a:p>
@@ -3439,7 +3440,7 @@
           <a:p>
             <a:fld id="{9AB416B6-4EAF-A447-9EFC-D4C76213FA63}" type="datetimeFigureOut">
               <a:rPr lang="en-US" smtClean="0"/>
-              <a:t>6/4/21</a:t>
+              <a:t>9/27/2024</a:t>
             </a:fld>
             <a:endParaRPr lang="en-US"/>
           </a:p>
@@ -6991,6 +6992,1502 @@
 </p:sld>
 </file>
 
+<file path=ppt/slides/slide12.xml><?xml version="1.0" encoding="utf-8"?>
+<p:sld xmlns:a="http://schemas.openxmlformats.org/drawingml/2006/main" xmlns:r="http://schemas.openxmlformats.org/officeDocument/2006/relationships" xmlns:p="http://schemas.openxmlformats.org/presentationml/2006/main">
+  <p:cSld>
+    <p:spTree>
+      <p:nvGrpSpPr>
+        <p:cNvPr id="1" name=""/>
+        <p:cNvGrpSpPr/>
+        <p:nvPr/>
+      </p:nvGrpSpPr>
+      <p:grpSpPr>
+        <a:xfrm>
+          <a:off x="0" y="0"/>
+          <a:ext cx="0" cy="0"/>
+          <a:chOff x="0" y="0"/>
+          <a:chExt cx="0" cy="0"/>
+        </a:xfrm>
+      </p:grpSpPr>
+      <p:sp>
+        <p:nvSpPr>
+          <p:cNvPr id="4" name="TextBox 3">
+            <a:extLst>
+              <a:ext uri="{FF2B5EF4-FFF2-40B4-BE49-F238E27FC236}">
+                <a16:creationId xmlns:a16="http://schemas.microsoft.com/office/drawing/2014/main" id="{CC98A2A3-A7CC-F249-9E93-B5710B0FFF33}"/>
+              </a:ext>
+            </a:extLst>
+          </p:cNvPr>
+          <p:cNvSpPr txBox="1"/>
+          <p:nvPr/>
+        </p:nvSpPr>
+        <p:spPr>
+          <a:xfrm>
+            <a:off x="903410" y="769377"/>
+            <a:ext cx="2624180" cy="1323439"/>
+          </a:xfrm>
+          <a:prstGeom prst="rect">
+            <a:avLst/>
+          </a:prstGeom>
+          <a:noFill/>
+        </p:spPr>
+        <p:txBody>
+          <a:bodyPr wrap="none" rtlCol="0">
+            <a:spAutoFit/>
+          </a:bodyPr>
+          <a:lstStyle/>
+          <a:p>
+            <a:r>
+              <a:rPr lang="en-US" sz="2000" dirty="0"/>
+              <a:t>Input object file:</a:t>
+            </a:r>
+          </a:p>
+          <a:p>
+            <a:r>
+              <a:rPr lang="en-US" sz="2000" dirty="0" err="1"/>
+              <a:t>Nlayers</a:t>
+            </a:r>
+            <a:r>
+              <a:rPr lang="en-US" sz="2000" dirty="0"/>
+              <a:t> = 2</a:t>
+            </a:r>
+          </a:p>
+          <a:p>
+            <a:r>
+              <a:rPr lang="en-US" sz="2000" dirty="0" err="1"/>
+              <a:t>dz</a:t>
+            </a:r>
+            <a:r>
+              <a:rPr lang="en-US" sz="2000" dirty="0"/>
+              <a:t> = 8 </a:t>
+            </a:r>
+            <a:r>
+              <a:rPr lang="en-US" sz="2000" dirty="0" err="1"/>
+              <a:t>μm</a:t>
+            </a:r>
+            <a:endParaRPr lang="en-US" sz="2000" dirty="0"/>
+          </a:p>
+          <a:p>
+            <a:r>
+              <a:rPr lang="en-US" sz="2000" dirty="0"/>
+              <a:t>Total thickness = 40 </a:t>
+            </a:r>
+            <a:r>
+              <a:rPr lang="en-US" sz="2000" dirty="0" err="1"/>
+              <a:t>μm</a:t>
+            </a:r>
+            <a:endParaRPr lang="en-US" sz="2000" dirty="0"/>
+          </a:p>
+        </p:txBody>
+      </p:sp>
+      <p:sp>
+        <p:nvSpPr>
+          <p:cNvPr id="5" name="TextBox 4">
+            <a:extLst>
+              <a:ext uri="{FF2B5EF4-FFF2-40B4-BE49-F238E27FC236}">
+                <a16:creationId xmlns:a16="http://schemas.microsoft.com/office/drawing/2014/main" id="{B55F23B3-C448-9443-A57D-C09F154DDEBB}"/>
+              </a:ext>
+            </a:extLst>
+          </p:cNvPr>
+          <p:cNvSpPr txBox="1"/>
+          <p:nvPr/>
+        </p:nvSpPr>
+        <p:spPr>
+          <a:xfrm>
+            <a:off x="8025127" y="773899"/>
+            <a:ext cx="3489097" cy="1323439"/>
+          </a:xfrm>
+          <a:prstGeom prst="rect">
+            <a:avLst/>
+          </a:prstGeom>
+          <a:noFill/>
+        </p:spPr>
+        <p:txBody>
+          <a:bodyPr wrap="none" rtlCol="0">
+            <a:spAutoFit/>
+          </a:bodyPr>
+          <a:lstStyle/>
+          <a:p>
+            <a:r>
+              <a:rPr lang="en-US" sz="2000" dirty="0"/>
+              <a:t>Initial object for reconstruction:</a:t>
+            </a:r>
+          </a:p>
+          <a:p>
+            <a:r>
+              <a:rPr lang="en-US" sz="2000" dirty="0" err="1"/>
+              <a:t>Nlayers</a:t>
+            </a:r>
+            <a:r>
+              <a:rPr lang="en-US" sz="2000" dirty="0"/>
+              <a:t> = 10</a:t>
+            </a:r>
+          </a:p>
+          <a:p>
+            <a:r>
+              <a:rPr lang="en-US" sz="2000" dirty="0" err="1"/>
+              <a:t>dz</a:t>
+            </a:r>
+            <a:r>
+              <a:rPr lang="en-US" sz="2000" dirty="0"/>
+              <a:t> = 4 </a:t>
+            </a:r>
+            <a:r>
+              <a:rPr lang="en-US" sz="2000" dirty="0" err="1"/>
+              <a:t>μm</a:t>
+            </a:r>
+            <a:endParaRPr lang="en-US" sz="2000" dirty="0"/>
+          </a:p>
+          <a:p>
+            <a:r>
+              <a:rPr lang="en-US" sz="2000" dirty="0"/>
+              <a:t>Total thickness = 40 </a:t>
+            </a:r>
+            <a:r>
+              <a:rPr lang="en-US" sz="2000" dirty="0" err="1"/>
+              <a:t>μm</a:t>
+            </a:r>
+            <a:endParaRPr lang="en-US" sz="2000" dirty="0"/>
+          </a:p>
+        </p:txBody>
+      </p:sp>
+      <p:cxnSp>
+        <p:nvCxnSpPr>
+          <p:cNvPr id="7" name="Straight Arrow Connector 6">
+            <a:extLst>
+              <a:ext uri="{FF2B5EF4-FFF2-40B4-BE49-F238E27FC236}">
+                <a16:creationId xmlns:a16="http://schemas.microsoft.com/office/drawing/2014/main" id="{834E263A-1500-3B4C-9D2C-21528AA672C6}"/>
+              </a:ext>
+            </a:extLst>
+          </p:cNvPr>
+          <p:cNvCxnSpPr>
+            <a:cxnSpLocks/>
+          </p:cNvCxnSpPr>
+          <p:nvPr/>
+        </p:nvCxnSpPr>
+        <p:spPr>
+          <a:xfrm>
+            <a:off x="4151870" y="1383615"/>
+            <a:ext cx="3521676" cy="0"/>
+          </a:xfrm>
+          <a:prstGeom prst="straightConnector1">
+            <a:avLst/>
+          </a:prstGeom>
+          <a:ln w="57150">
+            <a:solidFill>
+              <a:schemeClr val="tx1"/>
+            </a:solidFill>
+            <a:tailEnd type="triangle"/>
+          </a:ln>
+        </p:spPr>
+        <p:style>
+          <a:lnRef idx="1">
+            <a:schemeClr val="accent2"/>
+          </a:lnRef>
+          <a:fillRef idx="0">
+            <a:schemeClr val="accent2"/>
+          </a:fillRef>
+          <a:effectRef idx="0">
+            <a:schemeClr val="accent2"/>
+          </a:effectRef>
+          <a:fontRef idx="minor">
+            <a:schemeClr val="tx1"/>
+          </a:fontRef>
+        </p:style>
+      </p:cxnSp>
+      <p:cxnSp>
+        <p:nvCxnSpPr>
+          <p:cNvPr id="29" name="Straight Arrow Connector 28">
+            <a:extLst>
+              <a:ext uri="{FF2B5EF4-FFF2-40B4-BE49-F238E27FC236}">
+                <a16:creationId xmlns:a16="http://schemas.microsoft.com/office/drawing/2014/main" id="{4EB1DBFA-21E8-3149-9C75-BBD07423E04B}"/>
+              </a:ext>
+            </a:extLst>
+          </p:cNvPr>
+          <p:cNvCxnSpPr>
+            <a:cxnSpLocks/>
+          </p:cNvCxnSpPr>
+          <p:nvPr/>
+        </p:nvCxnSpPr>
+        <p:spPr>
+          <a:xfrm>
+            <a:off x="4086374" y="4466966"/>
+            <a:ext cx="3521676" cy="0"/>
+          </a:xfrm>
+          <a:prstGeom prst="straightConnector1">
+            <a:avLst/>
+          </a:prstGeom>
+          <a:ln w="57150">
+            <a:solidFill>
+              <a:schemeClr val="tx1"/>
+            </a:solidFill>
+            <a:tailEnd type="triangle"/>
+          </a:ln>
+        </p:spPr>
+        <p:style>
+          <a:lnRef idx="1">
+            <a:schemeClr val="accent2"/>
+          </a:lnRef>
+          <a:fillRef idx="0">
+            <a:schemeClr val="accent2"/>
+          </a:fillRef>
+          <a:effectRef idx="0">
+            <a:schemeClr val="accent2"/>
+          </a:effectRef>
+          <a:fontRef idx="minor">
+            <a:schemeClr val="tx1"/>
+          </a:fontRef>
+        </p:style>
+      </p:cxnSp>
+      <p:sp>
+        <p:nvSpPr>
+          <p:cNvPr id="30" name="TextBox 29">
+            <a:extLst>
+              <a:ext uri="{FF2B5EF4-FFF2-40B4-BE49-F238E27FC236}">
+                <a16:creationId xmlns:a16="http://schemas.microsoft.com/office/drawing/2014/main" id="{D073C3C6-6FA9-0D48-ACC6-8979C4180481}"/>
+              </a:ext>
+            </a:extLst>
+          </p:cNvPr>
+          <p:cNvSpPr txBox="1"/>
+          <p:nvPr/>
+        </p:nvSpPr>
+        <p:spPr>
+          <a:xfrm>
+            <a:off x="0" y="0"/>
+            <a:ext cx="6818726" cy="584775"/>
+          </a:xfrm>
+          <a:prstGeom prst="rect">
+            <a:avLst/>
+          </a:prstGeom>
+          <a:noFill/>
+        </p:spPr>
+        <p:txBody>
+          <a:bodyPr wrap="none" rtlCol="0">
+            <a:spAutoFit/>
+          </a:bodyPr>
+          <a:lstStyle/>
+          <a:p>
+            <a:r>
+              <a:rPr lang="en-US" sz="3200" b="1" dirty="0"/>
+              <a:t>Double the # of layers via interpolation</a:t>
+            </a:r>
+          </a:p>
+        </p:txBody>
+      </p:sp>
+      <p:sp>
+        <p:nvSpPr>
+          <p:cNvPr id="27" name="Rectangle 26">
+            <a:extLst>
+              <a:ext uri="{FF2B5EF4-FFF2-40B4-BE49-F238E27FC236}">
+                <a16:creationId xmlns:a16="http://schemas.microsoft.com/office/drawing/2014/main" id="{442296AF-F251-6449-A5A7-942D28D87446}"/>
+              </a:ext>
+            </a:extLst>
+          </p:cNvPr>
+          <p:cNvSpPr/>
+          <p:nvPr/>
+        </p:nvSpPr>
+        <p:spPr>
+          <a:xfrm>
+            <a:off x="4086374" y="4778628"/>
+            <a:ext cx="3915944" cy="1477328"/>
+          </a:xfrm>
+          <a:prstGeom prst="rect">
+            <a:avLst/>
+          </a:prstGeom>
+        </p:spPr>
+        <p:txBody>
+          <a:bodyPr wrap="none">
+            <a:spAutoFit/>
+          </a:bodyPr>
+          <a:lstStyle/>
+          <a:p>
+            <a:pPr>
+              <a:defRPr/>
+            </a:pPr>
+            <a:r>
+              <a:rPr lang="en-US" dirty="0" err="1"/>
+              <a:t>eng.init_layer_select</a:t>
+            </a:r>
+            <a:r>
+              <a:rPr lang="en-US" dirty="0"/>
+              <a:t> = [];</a:t>
+            </a:r>
+          </a:p>
+          <a:p>
+            <a:pPr>
+              <a:defRPr/>
+            </a:pPr>
+            <a:r>
+              <a:rPr lang="en-US" dirty="0" err="1"/>
+              <a:t>eng.init_layer_preprocess</a:t>
+            </a:r>
+            <a:r>
+              <a:rPr lang="en-US" dirty="0"/>
+              <a:t> = ‘</a:t>
+            </a:r>
+            <a:r>
+              <a:rPr lang="en-US" dirty="0" err="1"/>
+              <a:t>interp</a:t>
+            </a:r>
+            <a:r>
+              <a:rPr lang="en-US" dirty="0"/>
+              <a:t>’;</a:t>
+            </a:r>
+          </a:p>
+          <a:p>
+            <a:pPr>
+              <a:defRPr/>
+            </a:pPr>
+            <a:r>
+              <a:rPr lang="en-US" dirty="0" err="1"/>
+              <a:t>eng.init_layer_append_mode</a:t>
+            </a:r>
+            <a:r>
+              <a:rPr lang="en-US" dirty="0"/>
+              <a:t> = ‘’;</a:t>
+            </a:r>
+          </a:p>
+          <a:p>
+            <a:pPr>
+              <a:defRPr/>
+            </a:pPr>
+            <a:r>
+              <a:rPr lang="en-US" dirty="0" err="1"/>
+              <a:t>eng.init_layer_interp</a:t>
+            </a:r>
+            <a:r>
+              <a:rPr lang="en-US" dirty="0"/>
+              <a:t> = [1:0.125:2.125]; </a:t>
+            </a:r>
+          </a:p>
+          <a:p>
+            <a:pPr>
+              <a:defRPr/>
+            </a:pPr>
+            <a:r>
+              <a:rPr lang="en-US" dirty="0" err="1"/>
+              <a:t>eng.init_layer_scaling_factor</a:t>
+            </a:r>
+            <a:r>
+              <a:rPr lang="en-US" dirty="0"/>
+              <a:t> = 0.125;</a:t>
+            </a:r>
+          </a:p>
+        </p:txBody>
+      </p:sp>
+      <p:sp>
+        <p:nvSpPr>
+          <p:cNvPr id="10" name="Rectangle 9">
+            <a:extLst>
+              <a:ext uri="{FF2B5EF4-FFF2-40B4-BE49-F238E27FC236}">
+                <a16:creationId xmlns:a16="http://schemas.microsoft.com/office/drawing/2014/main" id="{F4DF28F5-2329-C946-8DC8-7ABF31D823E6}"/>
+              </a:ext>
+            </a:extLst>
+          </p:cNvPr>
+          <p:cNvSpPr/>
+          <p:nvPr/>
+        </p:nvSpPr>
+        <p:spPr>
+          <a:xfrm>
+            <a:off x="1069172" y="4113423"/>
+            <a:ext cx="2100649" cy="61784"/>
+          </a:xfrm>
+          <a:prstGeom prst="rect">
+            <a:avLst/>
+          </a:prstGeom>
+          <a:solidFill>
+            <a:srgbClr val="5591FF"/>
+          </a:solidFill>
+          <a:ln>
+            <a:noFill/>
+          </a:ln>
+        </p:spPr>
+        <p:style>
+          <a:lnRef idx="2">
+            <a:schemeClr val="accent1">
+              <a:shade val="50000"/>
+            </a:schemeClr>
+          </a:lnRef>
+          <a:fillRef idx="1">
+            <a:schemeClr val="accent1"/>
+          </a:fillRef>
+          <a:effectRef idx="0">
+            <a:schemeClr val="accent1"/>
+          </a:effectRef>
+          <a:fontRef idx="minor">
+            <a:schemeClr val="lt1"/>
+          </a:fontRef>
+        </p:style>
+        <p:txBody>
+          <a:bodyPr rtlCol="0" anchor="ctr"/>
+          <a:lstStyle/>
+          <a:p>
+            <a:pPr algn="ctr"/>
+            <a:endParaRPr lang="en-US"/>
+          </a:p>
+        </p:txBody>
+      </p:sp>
+      <p:sp>
+        <p:nvSpPr>
+          <p:cNvPr id="12" name="Rectangle 11">
+            <a:extLst>
+              <a:ext uri="{FF2B5EF4-FFF2-40B4-BE49-F238E27FC236}">
+                <a16:creationId xmlns:a16="http://schemas.microsoft.com/office/drawing/2014/main" id="{1588E12B-673C-C543-A92B-1914348F6CFA}"/>
+              </a:ext>
+            </a:extLst>
+          </p:cNvPr>
+          <p:cNvSpPr/>
+          <p:nvPr/>
+        </p:nvSpPr>
+        <p:spPr>
+          <a:xfrm>
+            <a:off x="1069170" y="4778628"/>
+            <a:ext cx="2100649" cy="61784"/>
+          </a:xfrm>
+          <a:prstGeom prst="rect">
+            <a:avLst/>
+          </a:prstGeom>
+          <a:solidFill>
+            <a:srgbClr val="4374C9"/>
+          </a:solidFill>
+          <a:ln>
+            <a:noFill/>
+          </a:ln>
+        </p:spPr>
+        <p:style>
+          <a:lnRef idx="2">
+            <a:schemeClr val="accent2">
+              <a:shade val="50000"/>
+            </a:schemeClr>
+          </a:lnRef>
+          <a:fillRef idx="1">
+            <a:schemeClr val="accent2"/>
+          </a:fillRef>
+          <a:effectRef idx="0">
+            <a:schemeClr val="accent2"/>
+          </a:effectRef>
+          <a:fontRef idx="minor">
+            <a:schemeClr val="lt1"/>
+          </a:fontRef>
+        </p:style>
+        <p:txBody>
+          <a:bodyPr rtlCol="0" anchor="ctr"/>
+          <a:lstStyle/>
+          <a:p>
+            <a:pPr algn="ctr"/>
+            <a:endParaRPr lang="en-US"/>
+          </a:p>
+        </p:txBody>
+      </p:sp>
+      <p:sp>
+        <p:nvSpPr>
+          <p:cNvPr id="2" name="TextBox 1">
+            <a:extLst>
+              <a:ext uri="{FF2B5EF4-FFF2-40B4-BE49-F238E27FC236}">
+                <a16:creationId xmlns:a16="http://schemas.microsoft.com/office/drawing/2014/main" id="{39A58A18-4D49-524D-A7C5-59D80179FAE4}"/>
+              </a:ext>
+            </a:extLst>
+          </p:cNvPr>
+          <p:cNvSpPr txBox="1"/>
+          <p:nvPr/>
+        </p:nvSpPr>
+        <p:spPr>
+          <a:xfrm>
+            <a:off x="556054" y="3959649"/>
+            <a:ext cx="301686" cy="369332"/>
+          </a:xfrm>
+          <a:prstGeom prst="rect">
+            <a:avLst/>
+          </a:prstGeom>
+          <a:noFill/>
+        </p:spPr>
+        <p:txBody>
+          <a:bodyPr wrap="none" rtlCol="0">
+            <a:spAutoFit/>
+          </a:bodyPr>
+          <a:lstStyle/>
+          <a:p>
+            <a:r>
+              <a:rPr lang="en-US" dirty="0"/>
+              <a:t>1</a:t>
+            </a:r>
+          </a:p>
+        </p:txBody>
+      </p:sp>
+      <p:sp>
+        <p:nvSpPr>
+          <p:cNvPr id="37" name="TextBox 36">
+            <a:extLst>
+              <a:ext uri="{FF2B5EF4-FFF2-40B4-BE49-F238E27FC236}">
+                <a16:creationId xmlns:a16="http://schemas.microsoft.com/office/drawing/2014/main" id="{B375D317-9E26-A247-8886-16F88B8C271A}"/>
+              </a:ext>
+            </a:extLst>
+          </p:cNvPr>
+          <p:cNvSpPr txBox="1"/>
+          <p:nvPr/>
+        </p:nvSpPr>
+        <p:spPr>
+          <a:xfrm>
+            <a:off x="556054" y="4624854"/>
+            <a:ext cx="301686" cy="369332"/>
+          </a:xfrm>
+          <a:prstGeom prst="rect">
+            <a:avLst/>
+          </a:prstGeom>
+          <a:noFill/>
+        </p:spPr>
+        <p:txBody>
+          <a:bodyPr wrap="none" rtlCol="0">
+            <a:spAutoFit/>
+          </a:bodyPr>
+          <a:lstStyle/>
+          <a:p>
+            <a:r>
+              <a:rPr lang="en-US" dirty="0"/>
+              <a:t>2</a:t>
+            </a:r>
+          </a:p>
+        </p:txBody>
+      </p:sp>
+      <p:grpSp>
+        <p:nvGrpSpPr>
+          <p:cNvPr id="28" name="Group 27">
+            <a:extLst>
+              <a:ext uri="{FF2B5EF4-FFF2-40B4-BE49-F238E27FC236}">
+                <a16:creationId xmlns:a16="http://schemas.microsoft.com/office/drawing/2014/main" id="{4A453E6D-3E97-534E-A7DF-73A7EFFF5248}"/>
+              </a:ext>
+            </a:extLst>
+          </p:cNvPr>
+          <p:cNvGrpSpPr/>
+          <p:nvPr/>
+        </p:nvGrpSpPr>
+        <p:grpSpPr>
+          <a:xfrm>
+            <a:off x="8716609" y="3169508"/>
+            <a:ext cx="2100653" cy="2660820"/>
+            <a:chOff x="8333939" y="3169508"/>
+            <a:chExt cx="2100653" cy="2660820"/>
+          </a:xfrm>
+        </p:grpSpPr>
+        <p:sp>
+          <p:nvSpPr>
+            <p:cNvPr id="19" name="Rectangle 18">
+              <a:extLst>
+                <a:ext uri="{FF2B5EF4-FFF2-40B4-BE49-F238E27FC236}">
+                  <a16:creationId xmlns:a16="http://schemas.microsoft.com/office/drawing/2014/main" id="{A1A93192-CF03-0747-88B3-1F3FFE413F96}"/>
+                </a:ext>
+              </a:extLst>
+            </p:cNvPr>
+            <p:cNvSpPr/>
+            <p:nvPr/>
+          </p:nvSpPr>
+          <p:spPr>
+            <a:xfrm>
+              <a:off x="8333940" y="3169508"/>
+              <a:ext cx="2100649" cy="61784"/>
+            </a:xfrm>
+            <a:prstGeom prst="rect">
+              <a:avLst/>
+            </a:prstGeom>
+            <a:solidFill>
+              <a:srgbClr val="5693FF"/>
+            </a:solidFill>
+            <a:ln>
+              <a:noFill/>
+            </a:ln>
+          </p:spPr>
+          <p:style>
+            <a:lnRef idx="2">
+              <a:schemeClr val="accent2">
+                <a:shade val="50000"/>
+              </a:schemeClr>
+            </a:lnRef>
+            <a:fillRef idx="1">
+              <a:schemeClr val="accent2"/>
+            </a:fillRef>
+            <a:effectRef idx="0">
+              <a:schemeClr val="accent2"/>
+            </a:effectRef>
+            <a:fontRef idx="minor">
+              <a:schemeClr val="lt1"/>
+            </a:fontRef>
+          </p:style>
+          <p:txBody>
+            <a:bodyPr rtlCol="0" anchor="ctr"/>
+            <a:lstStyle/>
+            <a:p>
+              <a:pPr algn="ctr"/>
+              <a:endParaRPr lang="en-US"/>
+            </a:p>
+          </p:txBody>
+        </p:sp>
+        <p:sp>
+          <p:nvSpPr>
+            <p:cNvPr id="20" name="Rectangle 19">
+              <a:extLst>
+                <a:ext uri="{FF2B5EF4-FFF2-40B4-BE49-F238E27FC236}">
+                  <a16:creationId xmlns:a16="http://schemas.microsoft.com/office/drawing/2014/main" id="{835433DD-1646-CB4E-9E33-BC92AC8C7B20}"/>
+                </a:ext>
+              </a:extLst>
+            </p:cNvPr>
+            <p:cNvSpPr/>
+            <p:nvPr/>
+          </p:nvSpPr>
+          <p:spPr>
+            <a:xfrm>
+              <a:off x="8333943" y="3834713"/>
+              <a:ext cx="2100649" cy="61784"/>
+            </a:xfrm>
+            <a:prstGeom prst="rect">
+              <a:avLst/>
+            </a:prstGeom>
+            <a:solidFill>
+              <a:srgbClr val="4374C9"/>
+            </a:solidFill>
+            <a:ln>
+              <a:noFill/>
+            </a:ln>
+          </p:spPr>
+          <p:style>
+            <a:lnRef idx="2">
+              <a:schemeClr val="accent2">
+                <a:shade val="50000"/>
+              </a:schemeClr>
+            </a:lnRef>
+            <a:fillRef idx="1">
+              <a:schemeClr val="accent2"/>
+            </a:fillRef>
+            <a:effectRef idx="0">
+              <a:schemeClr val="accent2"/>
+            </a:effectRef>
+            <a:fontRef idx="minor">
+              <a:schemeClr val="lt1"/>
+            </a:fontRef>
+          </p:style>
+          <p:txBody>
+            <a:bodyPr rtlCol="0" anchor="ctr"/>
+            <a:lstStyle/>
+            <a:p>
+              <a:pPr algn="ctr"/>
+              <a:endParaRPr lang="en-US"/>
+            </a:p>
+          </p:txBody>
+        </p:sp>
+        <p:sp>
+          <p:nvSpPr>
+            <p:cNvPr id="21" name="Rectangle 20">
+              <a:extLst>
+                <a:ext uri="{FF2B5EF4-FFF2-40B4-BE49-F238E27FC236}">
+                  <a16:creationId xmlns:a16="http://schemas.microsoft.com/office/drawing/2014/main" id="{A7A4565B-08EB-E34D-85EF-CE128329B00B}"/>
+                </a:ext>
+              </a:extLst>
+            </p:cNvPr>
+            <p:cNvSpPr/>
+            <p:nvPr/>
+          </p:nvSpPr>
+          <p:spPr>
+            <a:xfrm>
+              <a:off x="8333942" y="4469026"/>
+              <a:ext cx="2100649" cy="61784"/>
+            </a:xfrm>
+            <a:prstGeom prst="rect">
+              <a:avLst/>
+            </a:prstGeom>
+            <a:solidFill>
+              <a:srgbClr val="2B4A83"/>
+            </a:solidFill>
+            <a:ln>
+              <a:noFill/>
+            </a:ln>
+          </p:spPr>
+          <p:style>
+            <a:lnRef idx="2">
+              <a:schemeClr val="accent3">
+                <a:shade val="50000"/>
+              </a:schemeClr>
+            </a:lnRef>
+            <a:fillRef idx="1">
+              <a:schemeClr val="accent3"/>
+            </a:fillRef>
+            <a:effectRef idx="0">
+              <a:schemeClr val="accent3"/>
+            </a:effectRef>
+            <a:fontRef idx="minor">
+              <a:schemeClr val="lt1"/>
+            </a:fontRef>
+          </p:style>
+          <p:txBody>
+            <a:bodyPr rtlCol="0" anchor="ctr"/>
+            <a:lstStyle/>
+            <a:p>
+              <a:pPr algn="ctr"/>
+              <a:endParaRPr lang="en-US"/>
+            </a:p>
+          </p:txBody>
+        </p:sp>
+        <p:sp>
+          <p:nvSpPr>
+            <p:cNvPr id="22" name="Rectangle 21">
+              <a:extLst>
+                <a:ext uri="{FF2B5EF4-FFF2-40B4-BE49-F238E27FC236}">
+                  <a16:creationId xmlns:a16="http://schemas.microsoft.com/office/drawing/2014/main" id="{E53280AF-6B24-F746-96C5-03CC16CCBD60}"/>
+                </a:ext>
+              </a:extLst>
+            </p:cNvPr>
+            <p:cNvSpPr/>
+            <p:nvPr/>
+          </p:nvSpPr>
+          <p:spPr>
+            <a:xfrm>
+              <a:off x="8333941" y="5103339"/>
+              <a:ext cx="2100649" cy="61784"/>
+            </a:xfrm>
+            <a:prstGeom prst="rect">
+              <a:avLst/>
+            </a:prstGeom>
+            <a:solidFill>
+              <a:srgbClr val="0E1A2C"/>
+            </a:solidFill>
+            <a:ln>
+              <a:noFill/>
+            </a:ln>
+          </p:spPr>
+          <p:style>
+            <a:lnRef idx="2">
+              <a:schemeClr val="accent4">
+                <a:shade val="50000"/>
+              </a:schemeClr>
+            </a:lnRef>
+            <a:fillRef idx="1">
+              <a:schemeClr val="accent4"/>
+            </a:fillRef>
+            <a:effectRef idx="0">
+              <a:schemeClr val="accent4"/>
+            </a:effectRef>
+            <a:fontRef idx="minor">
+              <a:schemeClr val="lt1"/>
+            </a:fontRef>
+          </p:style>
+          <p:txBody>
+            <a:bodyPr rtlCol="0" anchor="ctr"/>
+            <a:lstStyle/>
+            <a:p>
+              <a:pPr algn="ctr"/>
+              <a:endParaRPr lang="en-US"/>
+            </a:p>
+          </p:txBody>
+        </p:sp>
+        <p:sp>
+          <p:nvSpPr>
+            <p:cNvPr id="23" name="Rectangle 22">
+              <a:extLst>
+                <a:ext uri="{FF2B5EF4-FFF2-40B4-BE49-F238E27FC236}">
+                  <a16:creationId xmlns:a16="http://schemas.microsoft.com/office/drawing/2014/main" id="{D874BF69-9CBF-0F47-9A19-894B48A98839}"/>
+                </a:ext>
+              </a:extLst>
+            </p:cNvPr>
+            <p:cNvSpPr/>
+            <p:nvPr/>
+          </p:nvSpPr>
+          <p:spPr>
+            <a:xfrm>
+              <a:off x="8333939" y="5768544"/>
+              <a:ext cx="2100649" cy="61784"/>
+            </a:xfrm>
+            <a:prstGeom prst="rect">
+              <a:avLst/>
+            </a:prstGeom>
+            <a:solidFill>
+              <a:srgbClr val="080F1A"/>
+            </a:solidFill>
+            <a:ln>
+              <a:noFill/>
+            </a:ln>
+          </p:spPr>
+          <p:style>
+            <a:lnRef idx="2">
+              <a:schemeClr val="accent4">
+                <a:shade val="50000"/>
+              </a:schemeClr>
+            </a:lnRef>
+            <a:fillRef idx="1">
+              <a:schemeClr val="accent4"/>
+            </a:fillRef>
+            <a:effectRef idx="0">
+              <a:schemeClr val="accent4"/>
+            </a:effectRef>
+            <a:fontRef idx="minor">
+              <a:schemeClr val="lt1"/>
+            </a:fontRef>
+          </p:style>
+          <p:txBody>
+            <a:bodyPr rtlCol="0" anchor="ctr"/>
+            <a:lstStyle/>
+            <a:p>
+              <a:pPr algn="ctr"/>
+              <a:endParaRPr lang="en-US"/>
+            </a:p>
+          </p:txBody>
+        </p:sp>
+      </p:grpSp>
+      <p:sp>
+        <p:nvSpPr>
+          <p:cNvPr id="32" name="Rectangle 31">
+            <a:extLst>
+              <a:ext uri="{FF2B5EF4-FFF2-40B4-BE49-F238E27FC236}">
+                <a16:creationId xmlns:a16="http://schemas.microsoft.com/office/drawing/2014/main" id="{EE4EB876-3DEA-0343-8831-A1FDBEE8178E}"/>
+              </a:ext>
+            </a:extLst>
+          </p:cNvPr>
+          <p:cNvSpPr/>
+          <p:nvPr/>
+        </p:nvSpPr>
+        <p:spPr>
+          <a:xfrm>
+            <a:off x="8716610" y="3503973"/>
+            <a:ext cx="2100649" cy="61784"/>
+          </a:xfrm>
+          <a:prstGeom prst="rect">
+            <a:avLst/>
+          </a:prstGeom>
+          <a:solidFill>
+            <a:srgbClr val="497DDA"/>
+          </a:solidFill>
+          <a:ln>
+            <a:noFill/>
+          </a:ln>
+        </p:spPr>
+        <p:style>
+          <a:lnRef idx="2">
+            <a:schemeClr val="accent2">
+              <a:shade val="50000"/>
+            </a:schemeClr>
+          </a:lnRef>
+          <a:fillRef idx="1">
+            <a:schemeClr val="accent2"/>
+          </a:fillRef>
+          <a:effectRef idx="0">
+            <a:schemeClr val="accent2"/>
+          </a:effectRef>
+          <a:fontRef idx="minor">
+            <a:schemeClr val="lt1"/>
+          </a:fontRef>
+        </p:style>
+        <p:txBody>
+          <a:bodyPr rtlCol="0" anchor="ctr"/>
+          <a:lstStyle/>
+          <a:p>
+            <a:pPr algn="ctr"/>
+            <a:endParaRPr lang="en-US"/>
+          </a:p>
+        </p:txBody>
+      </p:sp>
+      <p:sp>
+        <p:nvSpPr>
+          <p:cNvPr id="33" name="Rectangle 32">
+            <a:extLst>
+              <a:ext uri="{FF2B5EF4-FFF2-40B4-BE49-F238E27FC236}">
+                <a16:creationId xmlns:a16="http://schemas.microsoft.com/office/drawing/2014/main" id="{298E804C-9F34-244B-9C1A-18825EC45AEB}"/>
+              </a:ext>
+            </a:extLst>
+          </p:cNvPr>
+          <p:cNvSpPr/>
+          <p:nvPr/>
+        </p:nvSpPr>
+        <p:spPr>
+          <a:xfrm>
+            <a:off x="8716613" y="4169178"/>
+            <a:ext cx="2100649" cy="61784"/>
+          </a:xfrm>
+          <a:prstGeom prst="rect">
+            <a:avLst/>
+          </a:prstGeom>
+          <a:solidFill>
+            <a:srgbClr val="4372C5"/>
+          </a:solidFill>
+          <a:ln>
+            <a:noFill/>
+          </a:ln>
+        </p:spPr>
+        <p:style>
+          <a:lnRef idx="2">
+            <a:schemeClr val="accent2">
+              <a:shade val="50000"/>
+            </a:schemeClr>
+          </a:lnRef>
+          <a:fillRef idx="1">
+            <a:schemeClr val="accent2"/>
+          </a:fillRef>
+          <a:effectRef idx="0">
+            <a:schemeClr val="accent2"/>
+          </a:effectRef>
+          <a:fontRef idx="minor">
+            <a:schemeClr val="lt1"/>
+          </a:fontRef>
+        </p:style>
+        <p:txBody>
+          <a:bodyPr rtlCol="0" anchor="ctr"/>
+          <a:lstStyle/>
+          <a:p>
+            <a:pPr algn="ctr"/>
+            <a:endParaRPr lang="en-US"/>
+          </a:p>
+        </p:txBody>
+      </p:sp>
+      <p:sp>
+        <p:nvSpPr>
+          <p:cNvPr id="34" name="Rectangle 33">
+            <a:extLst>
+              <a:ext uri="{FF2B5EF4-FFF2-40B4-BE49-F238E27FC236}">
+                <a16:creationId xmlns:a16="http://schemas.microsoft.com/office/drawing/2014/main" id="{E628E169-3544-564E-9E5A-5257330C2132}"/>
+              </a:ext>
+            </a:extLst>
+          </p:cNvPr>
+          <p:cNvSpPr/>
+          <p:nvPr/>
+        </p:nvSpPr>
+        <p:spPr>
+          <a:xfrm>
+            <a:off x="8716612" y="4803491"/>
+            <a:ext cx="2100649" cy="61784"/>
+          </a:xfrm>
+          <a:prstGeom prst="rect">
+            <a:avLst/>
+          </a:prstGeom>
+          <a:solidFill>
+            <a:srgbClr val="2D4D86"/>
+          </a:solidFill>
+          <a:ln>
+            <a:noFill/>
+          </a:ln>
+        </p:spPr>
+        <p:style>
+          <a:lnRef idx="2">
+            <a:schemeClr val="accent3">
+              <a:shade val="50000"/>
+            </a:schemeClr>
+          </a:lnRef>
+          <a:fillRef idx="1">
+            <a:schemeClr val="accent3"/>
+          </a:fillRef>
+          <a:effectRef idx="0">
+            <a:schemeClr val="accent3"/>
+          </a:effectRef>
+          <a:fontRef idx="minor">
+            <a:schemeClr val="lt1"/>
+          </a:fontRef>
+        </p:style>
+        <p:txBody>
+          <a:bodyPr rtlCol="0" anchor="ctr"/>
+          <a:lstStyle/>
+          <a:p>
+            <a:pPr algn="ctr"/>
+            <a:endParaRPr lang="en-US"/>
+          </a:p>
+        </p:txBody>
+      </p:sp>
+      <p:sp>
+        <p:nvSpPr>
+          <p:cNvPr id="35" name="Rectangle 34">
+            <a:extLst>
+              <a:ext uri="{FF2B5EF4-FFF2-40B4-BE49-F238E27FC236}">
+                <a16:creationId xmlns:a16="http://schemas.microsoft.com/office/drawing/2014/main" id="{6F8EE9BF-CDAD-2246-82D9-48E831C6A176}"/>
+              </a:ext>
+            </a:extLst>
+          </p:cNvPr>
+          <p:cNvSpPr/>
+          <p:nvPr/>
+        </p:nvSpPr>
+        <p:spPr>
+          <a:xfrm>
+            <a:off x="8716611" y="5437804"/>
+            <a:ext cx="2100649" cy="61784"/>
+          </a:xfrm>
+          <a:prstGeom prst="rect">
+            <a:avLst/>
+          </a:prstGeom>
+          <a:solidFill>
+            <a:srgbClr val="1F355D"/>
+          </a:solidFill>
+          <a:ln>
+            <a:noFill/>
+          </a:ln>
+        </p:spPr>
+        <p:style>
+          <a:lnRef idx="2">
+            <a:schemeClr val="accent4">
+              <a:shade val="50000"/>
+            </a:schemeClr>
+          </a:lnRef>
+          <a:fillRef idx="1">
+            <a:schemeClr val="accent4"/>
+          </a:fillRef>
+          <a:effectRef idx="0">
+            <a:schemeClr val="accent4"/>
+          </a:effectRef>
+          <a:fontRef idx="minor">
+            <a:schemeClr val="lt1"/>
+          </a:fontRef>
+        </p:style>
+        <p:txBody>
+          <a:bodyPr rtlCol="0" anchor="ctr"/>
+          <a:lstStyle/>
+          <a:p>
+            <a:pPr algn="ctr"/>
+            <a:endParaRPr lang="en-US"/>
+          </a:p>
+        </p:txBody>
+      </p:sp>
+      <p:sp>
+        <p:nvSpPr>
+          <p:cNvPr id="36" name="Rectangle 35">
+            <a:extLst>
+              <a:ext uri="{FF2B5EF4-FFF2-40B4-BE49-F238E27FC236}">
+                <a16:creationId xmlns:a16="http://schemas.microsoft.com/office/drawing/2014/main" id="{AF8F9F6F-AD0E-CD42-976E-3B5584EF37C1}"/>
+              </a:ext>
+            </a:extLst>
+          </p:cNvPr>
+          <p:cNvSpPr/>
+          <p:nvPr/>
+        </p:nvSpPr>
+        <p:spPr>
+          <a:xfrm>
+            <a:off x="8716609" y="6103009"/>
+            <a:ext cx="2100649" cy="61784"/>
+          </a:xfrm>
+          <a:prstGeom prst="rect">
+            <a:avLst/>
+          </a:prstGeom>
+          <a:solidFill>
+            <a:srgbClr val="000000"/>
+          </a:solidFill>
+          <a:ln>
+            <a:noFill/>
+          </a:ln>
+        </p:spPr>
+        <p:style>
+          <a:lnRef idx="2">
+            <a:schemeClr val="accent4">
+              <a:shade val="50000"/>
+            </a:schemeClr>
+          </a:lnRef>
+          <a:fillRef idx="1">
+            <a:schemeClr val="accent4"/>
+          </a:fillRef>
+          <a:effectRef idx="0">
+            <a:schemeClr val="accent4"/>
+          </a:effectRef>
+          <a:fontRef idx="minor">
+            <a:schemeClr val="lt1"/>
+          </a:fontRef>
+        </p:style>
+        <p:txBody>
+          <a:bodyPr rtlCol="0" anchor="ctr"/>
+          <a:lstStyle/>
+          <a:p>
+            <a:pPr algn="ctr"/>
+            <a:endParaRPr lang="en-US"/>
+          </a:p>
+        </p:txBody>
+      </p:sp>
+      <p:sp>
+        <p:nvSpPr>
+          <p:cNvPr id="41" name="TextBox 40">
+            <a:extLst>
+              <a:ext uri="{FF2B5EF4-FFF2-40B4-BE49-F238E27FC236}">
+                <a16:creationId xmlns:a16="http://schemas.microsoft.com/office/drawing/2014/main" id="{96217F14-0363-5645-94C4-D6D52D98ACF0}"/>
+              </a:ext>
+            </a:extLst>
+          </p:cNvPr>
+          <p:cNvSpPr txBox="1"/>
+          <p:nvPr/>
+        </p:nvSpPr>
+        <p:spPr>
+          <a:xfrm>
+            <a:off x="11028691" y="3015734"/>
+            <a:ext cx="301686" cy="369332"/>
+          </a:xfrm>
+          <a:prstGeom prst="rect">
+            <a:avLst/>
+          </a:prstGeom>
+          <a:noFill/>
+        </p:spPr>
+        <p:txBody>
+          <a:bodyPr wrap="none" rtlCol="0">
+            <a:spAutoFit/>
+          </a:bodyPr>
+          <a:lstStyle/>
+          <a:p>
+            <a:r>
+              <a:rPr lang="en-US" dirty="0"/>
+              <a:t>1</a:t>
+            </a:r>
+          </a:p>
+        </p:txBody>
+      </p:sp>
+      <p:sp>
+        <p:nvSpPr>
+          <p:cNvPr id="42" name="TextBox 41">
+            <a:extLst>
+              <a:ext uri="{FF2B5EF4-FFF2-40B4-BE49-F238E27FC236}">
+                <a16:creationId xmlns:a16="http://schemas.microsoft.com/office/drawing/2014/main" id="{580E4ADA-0DFE-7742-A37C-6A4778CFAC06}"/>
+              </a:ext>
+            </a:extLst>
+          </p:cNvPr>
+          <p:cNvSpPr txBox="1"/>
+          <p:nvPr/>
+        </p:nvSpPr>
+        <p:spPr>
+          <a:xfrm>
+            <a:off x="11028691" y="3680939"/>
+            <a:ext cx="710451" cy="369332"/>
+          </a:xfrm>
+          <a:prstGeom prst="rect">
+            <a:avLst/>
+          </a:prstGeom>
+          <a:noFill/>
+        </p:spPr>
+        <p:txBody>
+          <a:bodyPr wrap="none" rtlCol="0">
+            <a:spAutoFit/>
+          </a:bodyPr>
+          <a:lstStyle/>
+          <a:p>
+            <a:r>
+              <a:rPr lang="en-US" dirty="0"/>
+              <a:t>1.250</a:t>
+            </a:r>
+          </a:p>
+        </p:txBody>
+      </p:sp>
+      <p:sp>
+        <p:nvSpPr>
+          <p:cNvPr id="43" name="TextBox 42">
+            <a:extLst>
+              <a:ext uri="{FF2B5EF4-FFF2-40B4-BE49-F238E27FC236}">
+                <a16:creationId xmlns:a16="http://schemas.microsoft.com/office/drawing/2014/main" id="{EF0026E0-FE6C-3D48-8154-66684DDE7699}"/>
+              </a:ext>
+            </a:extLst>
+          </p:cNvPr>
+          <p:cNvSpPr txBox="1"/>
+          <p:nvPr/>
+        </p:nvSpPr>
+        <p:spPr>
+          <a:xfrm>
+            <a:off x="11028691" y="4315252"/>
+            <a:ext cx="710451" cy="369332"/>
+          </a:xfrm>
+          <a:prstGeom prst="rect">
+            <a:avLst/>
+          </a:prstGeom>
+          <a:noFill/>
+        </p:spPr>
+        <p:txBody>
+          <a:bodyPr wrap="none" rtlCol="0">
+            <a:spAutoFit/>
+          </a:bodyPr>
+          <a:lstStyle/>
+          <a:p>
+            <a:r>
+              <a:rPr lang="en-US" dirty="0"/>
+              <a:t>1.500</a:t>
+            </a:r>
+          </a:p>
+        </p:txBody>
+      </p:sp>
+      <p:sp>
+        <p:nvSpPr>
+          <p:cNvPr id="44" name="TextBox 43">
+            <a:extLst>
+              <a:ext uri="{FF2B5EF4-FFF2-40B4-BE49-F238E27FC236}">
+                <a16:creationId xmlns:a16="http://schemas.microsoft.com/office/drawing/2014/main" id="{0C176B70-CE3E-8F49-AD1E-DAF4294F8C5B}"/>
+              </a:ext>
+            </a:extLst>
+          </p:cNvPr>
+          <p:cNvSpPr txBox="1"/>
+          <p:nvPr/>
+        </p:nvSpPr>
+        <p:spPr>
+          <a:xfrm>
+            <a:off x="11028691" y="4949565"/>
+            <a:ext cx="710451" cy="369332"/>
+          </a:xfrm>
+          <a:prstGeom prst="rect">
+            <a:avLst/>
+          </a:prstGeom>
+          <a:noFill/>
+        </p:spPr>
+        <p:txBody>
+          <a:bodyPr wrap="none" rtlCol="0">
+            <a:spAutoFit/>
+          </a:bodyPr>
+          <a:lstStyle/>
+          <a:p>
+            <a:r>
+              <a:rPr lang="en-US" dirty="0"/>
+              <a:t>1.750</a:t>
+            </a:r>
+          </a:p>
+        </p:txBody>
+      </p:sp>
+      <p:sp>
+        <p:nvSpPr>
+          <p:cNvPr id="46" name="TextBox 45">
+            <a:extLst>
+              <a:ext uri="{FF2B5EF4-FFF2-40B4-BE49-F238E27FC236}">
+                <a16:creationId xmlns:a16="http://schemas.microsoft.com/office/drawing/2014/main" id="{8B6A2614-0D2E-6E47-97E1-48D83EF4F275}"/>
+              </a:ext>
+            </a:extLst>
+          </p:cNvPr>
+          <p:cNvSpPr txBox="1"/>
+          <p:nvPr/>
+        </p:nvSpPr>
+        <p:spPr>
+          <a:xfrm>
+            <a:off x="11028688" y="3348337"/>
+            <a:ext cx="710451" cy="369332"/>
+          </a:xfrm>
+          <a:prstGeom prst="rect">
+            <a:avLst/>
+          </a:prstGeom>
+          <a:noFill/>
+        </p:spPr>
+        <p:txBody>
+          <a:bodyPr wrap="none" rtlCol="0">
+            <a:spAutoFit/>
+          </a:bodyPr>
+          <a:lstStyle/>
+          <a:p>
+            <a:r>
+              <a:rPr lang="en-US" dirty="0"/>
+              <a:t>1.125</a:t>
+            </a:r>
+          </a:p>
+        </p:txBody>
+      </p:sp>
+      <p:sp>
+        <p:nvSpPr>
+          <p:cNvPr id="47" name="TextBox 46">
+            <a:extLst>
+              <a:ext uri="{FF2B5EF4-FFF2-40B4-BE49-F238E27FC236}">
+                <a16:creationId xmlns:a16="http://schemas.microsoft.com/office/drawing/2014/main" id="{4BE706AE-AE21-2744-8EC4-2FBA7CDDD5CF}"/>
+              </a:ext>
+            </a:extLst>
+          </p:cNvPr>
+          <p:cNvSpPr txBox="1"/>
+          <p:nvPr/>
+        </p:nvSpPr>
+        <p:spPr>
+          <a:xfrm>
+            <a:off x="11028688" y="4013542"/>
+            <a:ext cx="710451" cy="369332"/>
+          </a:xfrm>
+          <a:prstGeom prst="rect">
+            <a:avLst/>
+          </a:prstGeom>
+          <a:noFill/>
+        </p:spPr>
+        <p:txBody>
+          <a:bodyPr wrap="none" rtlCol="0">
+            <a:spAutoFit/>
+          </a:bodyPr>
+          <a:lstStyle/>
+          <a:p>
+            <a:r>
+              <a:rPr lang="en-US" dirty="0"/>
+              <a:t>1.375</a:t>
+            </a:r>
+          </a:p>
+        </p:txBody>
+      </p:sp>
+      <p:sp>
+        <p:nvSpPr>
+          <p:cNvPr id="48" name="TextBox 47">
+            <a:extLst>
+              <a:ext uri="{FF2B5EF4-FFF2-40B4-BE49-F238E27FC236}">
+                <a16:creationId xmlns:a16="http://schemas.microsoft.com/office/drawing/2014/main" id="{F7BB827F-2CEF-9F42-A5D7-FD0DC10AA99B}"/>
+              </a:ext>
+            </a:extLst>
+          </p:cNvPr>
+          <p:cNvSpPr txBox="1"/>
+          <p:nvPr/>
+        </p:nvSpPr>
+        <p:spPr>
+          <a:xfrm>
+            <a:off x="11028688" y="4650775"/>
+            <a:ext cx="710451" cy="369332"/>
+          </a:xfrm>
+          <a:prstGeom prst="rect">
+            <a:avLst/>
+          </a:prstGeom>
+          <a:noFill/>
+        </p:spPr>
+        <p:txBody>
+          <a:bodyPr wrap="none" rtlCol="0">
+            <a:spAutoFit/>
+          </a:bodyPr>
+          <a:lstStyle/>
+          <a:p>
+            <a:r>
+              <a:rPr lang="en-US" dirty="0"/>
+              <a:t>1.625</a:t>
+            </a:r>
+          </a:p>
+        </p:txBody>
+      </p:sp>
+      <p:sp>
+        <p:nvSpPr>
+          <p:cNvPr id="9" name="TextBox 8">
+            <a:extLst>
+              <a:ext uri="{FF2B5EF4-FFF2-40B4-BE49-F238E27FC236}">
+                <a16:creationId xmlns:a16="http://schemas.microsoft.com/office/drawing/2014/main" id="{30702355-2657-3E94-B739-4F7269545618}"/>
+              </a:ext>
+            </a:extLst>
+          </p:cNvPr>
+          <p:cNvSpPr txBox="1"/>
+          <p:nvPr/>
+        </p:nvSpPr>
+        <p:spPr>
+          <a:xfrm>
+            <a:off x="11033661" y="5253138"/>
+            <a:ext cx="710451" cy="369332"/>
+          </a:xfrm>
+          <a:prstGeom prst="rect">
+            <a:avLst/>
+          </a:prstGeom>
+          <a:noFill/>
+        </p:spPr>
+        <p:txBody>
+          <a:bodyPr wrap="none" rtlCol="0">
+            <a:spAutoFit/>
+          </a:bodyPr>
+          <a:lstStyle/>
+          <a:p>
+            <a:r>
+              <a:rPr lang="en-US" dirty="0"/>
+              <a:t>1.875</a:t>
+            </a:r>
+          </a:p>
+        </p:txBody>
+      </p:sp>
+      <p:sp>
+        <p:nvSpPr>
+          <p:cNvPr id="11" name="TextBox 10">
+            <a:extLst>
+              <a:ext uri="{FF2B5EF4-FFF2-40B4-BE49-F238E27FC236}">
+                <a16:creationId xmlns:a16="http://schemas.microsoft.com/office/drawing/2014/main" id="{6B5C2555-906B-3581-0E88-D0EC31EB8946}"/>
+              </a:ext>
+            </a:extLst>
+          </p:cNvPr>
+          <p:cNvSpPr txBox="1"/>
+          <p:nvPr/>
+        </p:nvSpPr>
+        <p:spPr>
+          <a:xfrm>
+            <a:off x="11028688" y="5590204"/>
+            <a:ext cx="710451" cy="369332"/>
+          </a:xfrm>
+          <a:prstGeom prst="rect">
+            <a:avLst/>
+          </a:prstGeom>
+          <a:noFill/>
+        </p:spPr>
+        <p:txBody>
+          <a:bodyPr wrap="none" rtlCol="0">
+            <a:spAutoFit/>
+          </a:bodyPr>
+          <a:lstStyle/>
+          <a:p>
+            <a:r>
+              <a:rPr lang="en-US" dirty="0"/>
+              <a:t>2.000</a:t>
+            </a:r>
+          </a:p>
+        </p:txBody>
+      </p:sp>
+      <p:sp>
+        <p:nvSpPr>
+          <p:cNvPr id="16" name="TextBox 15">
+            <a:extLst>
+              <a:ext uri="{FF2B5EF4-FFF2-40B4-BE49-F238E27FC236}">
+                <a16:creationId xmlns:a16="http://schemas.microsoft.com/office/drawing/2014/main" id="{3115BAEE-B477-DEEF-876C-ED5EEE3EFD4B}"/>
+              </a:ext>
+            </a:extLst>
+          </p:cNvPr>
+          <p:cNvSpPr txBox="1"/>
+          <p:nvPr/>
+        </p:nvSpPr>
+        <p:spPr>
+          <a:xfrm>
+            <a:off x="11028688" y="5926043"/>
+            <a:ext cx="710451" cy="369332"/>
+          </a:xfrm>
+          <a:prstGeom prst="rect">
+            <a:avLst/>
+          </a:prstGeom>
+          <a:noFill/>
+        </p:spPr>
+        <p:txBody>
+          <a:bodyPr wrap="none" rtlCol="0">
+            <a:spAutoFit/>
+          </a:bodyPr>
+          <a:lstStyle/>
+          <a:p>
+            <a:r>
+              <a:rPr lang="en-US" dirty="0"/>
+              <a:t>2.125</a:t>
+            </a:r>
+          </a:p>
+        </p:txBody>
+      </p:sp>
+      <p:sp>
+        <p:nvSpPr>
+          <p:cNvPr id="18" name="TextBox 17">
+            <a:extLst>
+              <a:ext uri="{FF2B5EF4-FFF2-40B4-BE49-F238E27FC236}">
+                <a16:creationId xmlns:a16="http://schemas.microsoft.com/office/drawing/2014/main" id="{7E5AE595-8BAC-BE14-FF00-692FE9FAA16B}"/>
+              </a:ext>
+            </a:extLst>
+          </p:cNvPr>
+          <p:cNvSpPr txBox="1"/>
+          <p:nvPr/>
+        </p:nvSpPr>
+        <p:spPr>
+          <a:xfrm>
+            <a:off x="8929978" y="6343357"/>
+            <a:ext cx="1342034" cy="369332"/>
+          </a:xfrm>
+          <a:prstGeom prst="rect">
+            <a:avLst/>
+          </a:prstGeom>
+          <a:noFill/>
+        </p:spPr>
+        <p:txBody>
+          <a:bodyPr wrap="none" rtlCol="0">
+            <a:spAutoFit/>
+          </a:bodyPr>
+          <a:lstStyle/>
+          <a:p>
+            <a:r>
+              <a:rPr lang="en-US" dirty="0"/>
+              <a:t>X = 2-1/10-2</a:t>
+            </a:r>
+          </a:p>
+        </p:txBody>
+      </p:sp>
+    </p:spTree>
+    <p:extLst>
+      <p:ext uri="{BB962C8B-B14F-4D97-AF65-F5344CB8AC3E}">
+        <p14:creationId xmlns:p14="http://schemas.microsoft.com/office/powerpoint/2010/main" val="1988132662"/>
+      </p:ext>
+    </p:extLst>
+  </p:cSld>
+  <p:clrMapOvr>
+    <a:masterClrMapping/>
+  </p:clrMapOvr>
+</p:sld>
+</file>
+
 <file path=ppt/slides/slide2.xml><?xml version="1.0" encoding="utf-8"?>
 <p:sld xmlns:a="http://schemas.openxmlformats.org/drawingml/2006/main" xmlns:r="http://schemas.openxmlformats.org/officeDocument/2006/relationships" xmlns:p="http://schemas.openxmlformats.org/presentationml/2006/main">
   <p:cSld>

--- a/ptycho/notes/GPU_MS_obj_init_example.pptx
+++ b/ptycho/notes/GPU_MS_obj_init_example.pptx
@@ -208,7 +208,7 @@
           <a:p>
             <a:fld id="{3B76184A-690F-2D4B-8F13-A25EC1FE8F85}" type="datetimeFigureOut">
               <a:rPr lang="en-US" smtClean="0"/>
-              <a:t>9/27/2024</a:t>
+              <a:t>10/12/2024</a:t>
             </a:fld>
             <a:endParaRPr lang="en-US"/>
           </a:p>
@@ -790,7 +790,7 @@
           <a:p>
             <a:fld id="{9AB416B6-4EAF-A447-9EFC-D4C76213FA63}" type="datetimeFigureOut">
               <a:rPr lang="en-US" smtClean="0"/>
-              <a:t>9/27/2024</a:t>
+              <a:t>10/12/2024</a:t>
             </a:fld>
             <a:endParaRPr lang="en-US"/>
           </a:p>
@@ -988,7 +988,7 @@
           <a:p>
             <a:fld id="{9AB416B6-4EAF-A447-9EFC-D4C76213FA63}" type="datetimeFigureOut">
               <a:rPr lang="en-US" smtClean="0"/>
-              <a:t>9/27/2024</a:t>
+              <a:t>10/12/2024</a:t>
             </a:fld>
             <a:endParaRPr lang="en-US"/>
           </a:p>
@@ -1196,7 +1196,7 @@
           <a:p>
             <a:fld id="{9AB416B6-4EAF-A447-9EFC-D4C76213FA63}" type="datetimeFigureOut">
               <a:rPr lang="en-US" smtClean="0"/>
-              <a:t>9/27/2024</a:t>
+              <a:t>10/12/2024</a:t>
             </a:fld>
             <a:endParaRPr lang="en-US"/>
           </a:p>
@@ -1394,7 +1394,7 @@
           <a:p>
             <a:fld id="{9AB416B6-4EAF-A447-9EFC-D4C76213FA63}" type="datetimeFigureOut">
               <a:rPr lang="en-US" smtClean="0"/>
-              <a:t>9/27/2024</a:t>
+              <a:t>10/12/2024</a:t>
             </a:fld>
             <a:endParaRPr lang="en-US"/>
           </a:p>
@@ -1669,7 +1669,7 @@
           <a:p>
             <a:fld id="{9AB416B6-4EAF-A447-9EFC-D4C76213FA63}" type="datetimeFigureOut">
               <a:rPr lang="en-US" smtClean="0"/>
-              <a:t>9/27/2024</a:t>
+              <a:t>10/12/2024</a:t>
             </a:fld>
             <a:endParaRPr lang="en-US"/>
           </a:p>
@@ -1934,7 +1934,7 @@
           <a:p>
             <a:fld id="{9AB416B6-4EAF-A447-9EFC-D4C76213FA63}" type="datetimeFigureOut">
               <a:rPr lang="en-US" smtClean="0"/>
-              <a:t>9/27/2024</a:t>
+              <a:t>10/12/2024</a:t>
             </a:fld>
             <a:endParaRPr lang="en-US"/>
           </a:p>
@@ -2346,7 +2346,7 @@
           <a:p>
             <a:fld id="{9AB416B6-4EAF-A447-9EFC-D4C76213FA63}" type="datetimeFigureOut">
               <a:rPr lang="en-US" smtClean="0"/>
-              <a:t>9/27/2024</a:t>
+              <a:t>10/12/2024</a:t>
             </a:fld>
             <a:endParaRPr lang="en-US"/>
           </a:p>
@@ -2487,7 +2487,7 @@
           <a:p>
             <a:fld id="{9AB416B6-4EAF-A447-9EFC-D4C76213FA63}" type="datetimeFigureOut">
               <a:rPr lang="en-US" smtClean="0"/>
-              <a:t>9/27/2024</a:t>
+              <a:t>10/12/2024</a:t>
             </a:fld>
             <a:endParaRPr lang="en-US"/>
           </a:p>
@@ -2600,7 +2600,7 @@
           <a:p>
             <a:fld id="{9AB416B6-4EAF-A447-9EFC-D4C76213FA63}" type="datetimeFigureOut">
               <a:rPr lang="en-US" smtClean="0"/>
-              <a:t>9/27/2024</a:t>
+              <a:t>10/12/2024</a:t>
             </a:fld>
             <a:endParaRPr lang="en-US"/>
           </a:p>
@@ -2911,7 +2911,7 @@
           <a:p>
             <a:fld id="{9AB416B6-4EAF-A447-9EFC-D4C76213FA63}" type="datetimeFigureOut">
               <a:rPr lang="en-US" smtClean="0"/>
-              <a:t>9/27/2024</a:t>
+              <a:t>10/12/2024</a:t>
             </a:fld>
             <a:endParaRPr lang="en-US"/>
           </a:p>
@@ -3199,7 +3199,7 @@
           <a:p>
             <a:fld id="{9AB416B6-4EAF-A447-9EFC-D4C76213FA63}" type="datetimeFigureOut">
               <a:rPr lang="en-US" smtClean="0"/>
-              <a:t>9/27/2024</a:t>
+              <a:t>10/12/2024</a:t>
             </a:fld>
             <a:endParaRPr lang="en-US"/>
           </a:p>
@@ -3440,7 +3440,7 @@
           <a:p>
             <a:fld id="{9AB416B6-4EAF-A447-9EFC-D4C76213FA63}" type="datetimeFigureOut">
               <a:rPr lang="en-US" smtClean="0"/>
-              <a:t>9/27/2024</a:t>
+              <a:t>10/12/2024</a:t>
             </a:fld>
             <a:endParaRPr lang="en-US"/>
           </a:p>
@@ -7441,7 +7441,7 @@
         </p:nvSpPr>
         <p:spPr>
           <a:xfrm>
-            <a:off x="1069170" y="4778628"/>
+            <a:off x="1069170" y="4489263"/>
             <a:ext cx="2100649" cy="61784"/>
           </a:xfrm>
           <a:prstGeom prst="rect">
@@ -7476,76 +7476,6 @@
           <a:p>
             <a:pPr algn="ctr"/>
             <a:endParaRPr lang="en-US"/>
-          </a:p>
-        </p:txBody>
-      </p:sp>
-      <p:sp>
-        <p:nvSpPr>
-          <p:cNvPr id="2" name="TextBox 1">
-            <a:extLst>
-              <a:ext uri="{FF2B5EF4-FFF2-40B4-BE49-F238E27FC236}">
-                <a16:creationId xmlns:a16="http://schemas.microsoft.com/office/drawing/2014/main" id="{39A58A18-4D49-524D-A7C5-59D80179FAE4}"/>
-              </a:ext>
-            </a:extLst>
-          </p:cNvPr>
-          <p:cNvSpPr txBox="1"/>
-          <p:nvPr/>
-        </p:nvSpPr>
-        <p:spPr>
-          <a:xfrm>
-            <a:off x="556054" y="3959649"/>
-            <a:ext cx="301686" cy="369332"/>
-          </a:xfrm>
-          <a:prstGeom prst="rect">
-            <a:avLst/>
-          </a:prstGeom>
-          <a:noFill/>
-        </p:spPr>
-        <p:txBody>
-          <a:bodyPr wrap="none" rtlCol="0">
-            <a:spAutoFit/>
-          </a:bodyPr>
-          <a:lstStyle/>
-          <a:p>
-            <a:r>
-              <a:rPr lang="en-US" dirty="0"/>
-              <a:t>1</a:t>
-            </a:r>
-          </a:p>
-        </p:txBody>
-      </p:sp>
-      <p:sp>
-        <p:nvSpPr>
-          <p:cNvPr id="37" name="TextBox 36">
-            <a:extLst>
-              <a:ext uri="{FF2B5EF4-FFF2-40B4-BE49-F238E27FC236}">
-                <a16:creationId xmlns:a16="http://schemas.microsoft.com/office/drawing/2014/main" id="{B375D317-9E26-A247-8886-16F88B8C271A}"/>
-              </a:ext>
-            </a:extLst>
-          </p:cNvPr>
-          <p:cNvSpPr txBox="1"/>
-          <p:nvPr/>
-        </p:nvSpPr>
-        <p:spPr>
-          <a:xfrm>
-            <a:off x="556054" y="4624854"/>
-            <a:ext cx="301686" cy="369332"/>
-          </a:xfrm>
-          <a:prstGeom prst="rect">
-            <a:avLst/>
-          </a:prstGeom>
-          <a:noFill/>
-        </p:spPr>
-        <p:txBody>
-          <a:bodyPr wrap="none" rtlCol="0">
-            <a:spAutoFit/>
-          </a:bodyPr>
-          <a:lstStyle/>
-          <a:p>
-            <a:r>
-              <a:rPr lang="en-US" dirty="0"/>
-              <a:t>2</a:t>
-            </a:r>
           </a:p>
         </p:txBody>
       </p:sp>
@@ -8471,6 +8401,631 @@
             <a:r>
               <a:rPr lang="en-US" dirty="0"/>
               <a:t>X = 2-1/10-2</a:t>
+            </a:r>
+          </a:p>
+        </p:txBody>
+      </p:sp>
+      <p:sp>
+        <p:nvSpPr>
+          <p:cNvPr id="3" name="TextBox 2">
+            <a:extLst>
+              <a:ext uri="{FF2B5EF4-FFF2-40B4-BE49-F238E27FC236}">
+                <a16:creationId xmlns:a16="http://schemas.microsoft.com/office/drawing/2014/main" id="{496472DB-74D1-A7DB-6B28-5AD13A5797BF}"/>
+              </a:ext>
+            </a:extLst>
+          </p:cNvPr>
+          <p:cNvSpPr txBox="1"/>
+          <p:nvPr/>
+        </p:nvSpPr>
+        <p:spPr>
+          <a:xfrm>
+            <a:off x="4231026" y="2291523"/>
+            <a:ext cx="838050" cy="369332"/>
+          </a:xfrm>
+          <a:prstGeom prst="rect">
+            <a:avLst/>
+          </a:prstGeom>
+          <a:noFill/>
+        </p:spPr>
+        <p:txBody>
+          <a:bodyPr wrap="none" rtlCol="0">
+            <a:spAutoFit/>
+          </a:bodyPr>
+          <a:lstStyle/>
+          <a:p>
+            <a:r>
+              <a:rPr lang="en-US" dirty="0"/>
+              <a:t>8 to 12</a:t>
+            </a:r>
+          </a:p>
+        </p:txBody>
+      </p:sp>
+      <p:sp>
+        <p:nvSpPr>
+          <p:cNvPr id="8" name="TextBox 7">
+            <a:extLst>
+              <a:ext uri="{FF2B5EF4-FFF2-40B4-BE49-F238E27FC236}">
+                <a16:creationId xmlns:a16="http://schemas.microsoft.com/office/drawing/2014/main" id="{2937C920-3B38-5A28-89A6-C6D20D2AB225}"/>
+              </a:ext>
+            </a:extLst>
+          </p:cNvPr>
+          <p:cNvSpPr txBox="1"/>
+          <p:nvPr/>
+        </p:nvSpPr>
+        <p:spPr>
+          <a:xfrm>
+            <a:off x="4337305" y="2913813"/>
+            <a:ext cx="625492" cy="369332"/>
+          </a:xfrm>
+          <a:prstGeom prst="rect">
+            <a:avLst/>
+          </a:prstGeom>
+          <a:noFill/>
+        </p:spPr>
+        <p:txBody>
+          <a:bodyPr wrap="none" rtlCol="0">
+            <a:spAutoFit/>
+          </a:bodyPr>
+          <a:lstStyle/>
+          <a:p>
+            <a:r>
+              <a:rPr lang="en-US" dirty="0"/>
+              <a:t>7/10</a:t>
+            </a:r>
+          </a:p>
+        </p:txBody>
+      </p:sp>
+      <p:sp>
+        <p:nvSpPr>
+          <p:cNvPr id="13" name="Rectangle 12">
+            <a:extLst>
+              <a:ext uri="{FF2B5EF4-FFF2-40B4-BE49-F238E27FC236}">
+                <a16:creationId xmlns:a16="http://schemas.microsoft.com/office/drawing/2014/main" id="{1274E139-0C17-7785-7E4B-731ACE4FAA55}"/>
+              </a:ext>
+            </a:extLst>
+          </p:cNvPr>
+          <p:cNvSpPr/>
+          <p:nvPr/>
+        </p:nvSpPr>
+        <p:spPr>
+          <a:xfrm>
+            <a:off x="1069174" y="4846406"/>
+            <a:ext cx="2100649" cy="61784"/>
+          </a:xfrm>
+          <a:prstGeom prst="rect">
+            <a:avLst/>
+          </a:prstGeom>
+          <a:solidFill>
+            <a:srgbClr val="5591FF"/>
+          </a:solidFill>
+          <a:ln>
+            <a:noFill/>
+          </a:ln>
+        </p:spPr>
+        <p:style>
+          <a:lnRef idx="2">
+            <a:schemeClr val="accent1">
+              <a:shade val="50000"/>
+            </a:schemeClr>
+          </a:lnRef>
+          <a:fillRef idx="1">
+            <a:schemeClr val="accent1"/>
+          </a:fillRef>
+          <a:effectRef idx="0">
+            <a:schemeClr val="accent1"/>
+          </a:effectRef>
+          <a:fontRef idx="minor">
+            <a:schemeClr val="lt1"/>
+          </a:fontRef>
+        </p:style>
+        <p:txBody>
+          <a:bodyPr rtlCol="0" anchor="ctr"/>
+          <a:lstStyle/>
+          <a:p>
+            <a:pPr algn="ctr"/>
+            <a:endParaRPr lang="en-US"/>
+          </a:p>
+        </p:txBody>
+      </p:sp>
+      <p:sp>
+        <p:nvSpPr>
+          <p:cNvPr id="14" name="Rectangle 13">
+            <a:extLst>
+              <a:ext uri="{FF2B5EF4-FFF2-40B4-BE49-F238E27FC236}">
+                <a16:creationId xmlns:a16="http://schemas.microsoft.com/office/drawing/2014/main" id="{91FEC934-B632-4741-905D-1D0C0F98B384}"/>
+              </a:ext>
+            </a:extLst>
+          </p:cNvPr>
+          <p:cNvSpPr/>
+          <p:nvPr/>
+        </p:nvSpPr>
+        <p:spPr>
+          <a:xfrm>
+            <a:off x="1069172" y="5222246"/>
+            <a:ext cx="2100649" cy="61784"/>
+          </a:xfrm>
+          <a:prstGeom prst="rect">
+            <a:avLst/>
+          </a:prstGeom>
+          <a:solidFill>
+            <a:srgbClr val="4374C9"/>
+          </a:solidFill>
+          <a:ln>
+            <a:noFill/>
+          </a:ln>
+        </p:spPr>
+        <p:style>
+          <a:lnRef idx="2">
+            <a:schemeClr val="accent2">
+              <a:shade val="50000"/>
+            </a:schemeClr>
+          </a:lnRef>
+          <a:fillRef idx="1">
+            <a:schemeClr val="accent2"/>
+          </a:fillRef>
+          <a:effectRef idx="0">
+            <a:schemeClr val="accent2"/>
+          </a:effectRef>
+          <a:fontRef idx="minor">
+            <a:schemeClr val="lt1"/>
+          </a:fontRef>
+        </p:style>
+        <p:txBody>
+          <a:bodyPr rtlCol="0" anchor="ctr"/>
+          <a:lstStyle/>
+          <a:p>
+            <a:pPr algn="ctr"/>
+            <a:endParaRPr lang="en-US"/>
+          </a:p>
+        </p:txBody>
+      </p:sp>
+      <p:sp>
+        <p:nvSpPr>
+          <p:cNvPr id="15" name="Rectangle 14">
+            <a:extLst>
+              <a:ext uri="{FF2B5EF4-FFF2-40B4-BE49-F238E27FC236}">
+                <a16:creationId xmlns:a16="http://schemas.microsoft.com/office/drawing/2014/main" id="{A2E8ADC1-9D0B-AFEE-FBBB-2BBAAE8A0CCB}"/>
+              </a:ext>
+            </a:extLst>
+          </p:cNvPr>
+          <p:cNvSpPr/>
+          <p:nvPr/>
+        </p:nvSpPr>
+        <p:spPr>
+          <a:xfrm>
+            <a:off x="1069174" y="5572974"/>
+            <a:ext cx="2100649" cy="61784"/>
+          </a:xfrm>
+          <a:prstGeom prst="rect">
+            <a:avLst/>
+          </a:prstGeom>
+          <a:solidFill>
+            <a:srgbClr val="5591FF"/>
+          </a:solidFill>
+          <a:ln>
+            <a:noFill/>
+          </a:ln>
+        </p:spPr>
+        <p:style>
+          <a:lnRef idx="2">
+            <a:schemeClr val="accent1">
+              <a:shade val="50000"/>
+            </a:schemeClr>
+          </a:lnRef>
+          <a:fillRef idx="1">
+            <a:schemeClr val="accent1"/>
+          </a:fillRef>
+          <a:effectRef idx="0">
+            <a:schemeClr val="accent1"/>
+          </a:effectRef>
+          <a:fontRef idx="minor">
+            <a:schemeClr val="lt1"/>
+          </a:fontRef>
+        </p:style>
+        <p:txBody>
+          <a:bodyPr rtlCol="0" anchor="ctr"/>
+          <a:lstStyle/>
+          <a:p>
+            <a:pPr algn="ctr"/>
+            <a:endParaRPr lang="en-US"/>
+          </a:p>
+        </p:txBody>
+      </p:sp>
+      <p:sp>
+        <p:nvSpPr>
+          <p:cNvPr id="17" name="Rectangle 16">
+            <a:extLst>
+              <a:ext uri="{FF2B5EF4-FFF2-40B4-BE49-F238E27FC236}">
+                <a16:creationId xmlns:a16="http://schemas.microsoft.com/office/drawing/2014/main" id="{0A709543-347B-4057-B065-B95E55E6921D}"/>
+              </a:ext>
+            </a:extLst>
+          </p:cNvPr>
+          <p:cNvSpPr/>
+          <p:nvPr/>
+        </p:nvSpPr>
+        <p:spPr>
+          <a:xfrm>
+            <a:off x="1069172" y="5948814"/>
+            <a:ext cx="2100649" cy="61784"/>
+          </a:xfrm>
+          <a:prstGeom prst="rect">
+            <a:avLst/>
+          </a:prstGeom>
+          <a:solidFill>
+            <a:srgbClr val="4374C9"/>
+          </a:solidFill>
+          <a:ln>
+            <a:noFill/>
+          </a:ln>
+        </p:spPr>
+        <p:style>
+          <a:lnRef idx="2">
+            <a:schemeClr val="accent2">
+              <a:shade val="50000"/>
+            </a:schemeClr>
+          </a:lnRef>
+          <a:fillRef idx="1">
+            <a:schemeClr val="accent2"/>
+          </a:fillRef>
+          <a:effectRef idx="0">
+            <a:schemeClr val="accent2"/>
+          </a:effectRef>
+          <a:fontRef idx="minor">
+            <a:schemeClr val="lt1"/>
+          </a:fontRef>
+        </p:style>
+        <p:txBody>
+          <a:bodyPr rtlCol="0" anchor="ctr"/>
+          <a:lstStyle/>
+          <a:p>
+            <a:pPr algn="ctr"/>
+            <a:endParaRPr lang="en-US"/>
+          </a:p>
+        </p:txBody>
+      </p:sp>
+      <p:sp>
+        <p:nvSpPr>
+          <p:cNvPr id="24" name="Rectangle 23">
+            <a:extLst>
+              <a:ext uri="{FF2B5EF4-FFF2-40B4-BE49-F238E27FC236}">
+                <a16:creationId xmlns:a16="http://schemas.microsoft.com/office/drawing/2014/main" id="{5127A936-06D8-0252-D374-9C3D51E440B6}"/>
+              </a:ext>
+            </a:extLst>
+          </p:cNvPr>
+          <p:cNvSpPr/>
+          <p:nvPr/>
+        </p:nvSpPr>
+        <p:spPr>
+          <a:xfrm>
+            <a:off x="1069176" y="6305957"/>
+            <a:ext cx="2100649" cy="61784"/>
+          </a:xfrm>
+          <a:prstGeom prst="rect">
+            <a:avLst/>
+          </a:prstGeom>
+          <a:solidFill>
+            <a:srgbClr val="5591FF"/>
+          </a:solidFill>
+          <a:ln>
+            <a:noFill/>
+          </a:ln>
+        </p:spPr>
+        <p:style>
+          <a:lnRef idx="2">
+            <a:schemeClr val="accent1">
+              <a:shade val="50000"/>
+            </a:schemeClr>
+          </a:lnRef>
+          <a:fillRef idx="1">
+            <a:schemeClr val="accent1"/>
+          </a:fillRef>
+          <a:effectRef idx="0">
+            <a:schemeClr val="accent1"/>
+          </a:effectRef>
+          <a:fontRef idx="minor">
+            <a:schemeClr val="lt1"/>
+          </a:fontRef>
+        </p:style>
+        <p:txBody>
+          <a:bodyPr rtlCol="0" anchor="ctr"/>
+          <a:lstStyle/>
+          <a:p>
+            <a:pPr algn="ctr"/>
+            <a:endParaRPr lang="en-US"/>
+          </a:p>
+        </p:txBody>
+      </p:sp>
+      <p:sp>
+        <p:nvSpPr>
+          <p:cNvPr id="25" name="Rectangle 24">
+            <a:extLst>
+              <a:ext uri="{FF2B5EF4-FFF2-40B4-BE49-F238E27FC236}">
+                <a16:creationId xmlns:a16="http://schemas.microsoft.com/office/drawing/2014/main" id="{63BB4D53-BB36-9421-9074-3ABB5C4559C0}"/>
+              </a:ext>
+            </a:extLst>
+          </p:cNvPr>
+          <p:cNvSpPr/>
+          <p:nvPr/>
+        </p:nvSpPr>
+        <p:spPr>
+          <a:xfrm>
+            <a:off x="1069174" y="6681797"/>
+            <a:ext cx="2100649" cy="61784"/>
+          </a:xfrm>
+          <a:prstGeom prst="rect">
+            <a:avLst/>
+          </a:prstGeom>
+          <a:solidFill>
+            <a:srgbClr val="4374C9"/>
+          </a:solidFill>
+          <a:ln>
+            <a:noFill/>
+          </a:ln>
+        </p:spPr>
+        <p:style>
+          <a:lnRef idx="2">
+            <a:schemeClr val="accent2">
+              <a:shade val="50000"/>
+            </a:schemeClr>
+          </a:lnRef>
+          <a:fillRef idx="1">
+            <a:schemeClr val="accent2"/>
+          </a:fillRef>
+          <a:effectRef idx="0">
+            <a:schemeClr val="accent2"/>
+          </a:effectRef>
+          <a:fontRef idx="minor">
+            <a:schemeClr val="lt1"/>
+          </a:fontRef>
+        </p:style>
+        <p:txBody>
+          <a:bodyPr rtlCol="0" anchor="ctr"/>
+          <a:lstStyle/>
+          <a:p>
+            <a:pPr algn="ctr"/>
+            <a:endParaRPr lang="en-US"/>
+          </a:p>
+        </p:txBody>
+      </p:sp>
+      <p:sp>
+        <p:nvSpPr>
+          <p:cNvPr id="26" name="Rectangle 25">
+            <a:extLst>
+              <a:ext uri="{FF2B5EF4-FFF2-40B4-BE49-F238E27FC236}">
+                <a16:creationId xmlns:a16="http://schemas.microsoft.com/office/drawing/2014/main" id="{93BE962D-9043-2787-AECD-8BFBF944350A}"/>
+              </a:ext>
+            </a:extLst>
+          </p:cNvPr>
+          <p:cNvSpPr/>
+          <p:nvPr/>
+        </p:nvSpPr>
+        <p:spPr>
+          <a:xfrm>
+            <a:off x="1079338" y="2660855"/>
+            <a:ext cx="2100649" cy="61784"/>
+          </a:xfrm>
+          <a:prstGeom prst="rect">
+            <a:avLst/>
+          </a:prstGeom>
+          <a:solidFill>
+            <a:srgbClr val="5591FF"/>
+          </a:solidFill>
+          <a:ln>
+            <a:noFill/>
+          </a:ln>
+        </p:spPr>
+        <p:style>
+          <a:lnRef idx="2">
+            <a:schemeClr val="accent1">
+              <a:shade val="50000"/>
+            </a:schemeClr>
+          </a:lnRef>
+          <a:fillRef idx="1">
+            <a:schemeClr val="accent1"/>
+          </a:fillRef>
+          <a:effectRef idx="0">
+            <a:schemeClr val="accent1"/>
+          </a:effectRef>
+          <a:fontRef idx="minor">
+            <a:schemeClr val="lt1"/>
+          </a:fontRef>
+        </p:style>
+        <p:txBody>
+          <a:bodyPr rtlCol="0" anchor="ctr"/>
+          <a:lstStyle/>
+          <a:p>
+            <a:pPr algn="ctr"/>
+            <a:endParaRPr lang="en-US"/>
+          </a:p>
+        </p:txBody>
+      </p:sp>
+      <p:sp>
+        <p:nvSpPr>
+          <p:cNvPr id="31" name="Rectangle 30">
+            <a:extLst>
+              <a:ext uri="{FF2B5EF4-FFF2-40B4-BE49-F238E27FC236}">
+                <a16:creationId xmlns:a16="http://schemas.microsoft.com/office/drawing/2014/main" id="{944B6209-B389-1895-2B34-50A646F5121B}"/>
+              </a:ext>
+            </a:extLst>
+          </p:cNvPr>
+          <p:cNvSpPr/>
+          <p:nvPr/>
+        </p:nvSpPr>
+        <p:spPr>
+          <a:xfrm>
+            <a:off x="1079336" y="3036695"/>
+            <a:ext cx="2100649" cy="61784"/>
+          </a:xfrm>
+          <a:prstGeom prst="rect">
+            <a:avLst/>
+          </a:prstGeom>
+          <a:solidFill>
+            <a:srgbClr val="4374C9"/>
+          </a:solidFill>
+          <a:ln>
+            <a:noFill/>
+          </a:ln>
+        </p:spPr>
+        <p:style>
+          <a:lnRef idx="2">
+            <a:schemeClr val="accent2">
+              <a:shade val="50000"/>
+            </a:schemeClr>
+          </a:lnRef>
+          <a:fillRef idx="1">
+            <a:schemeClr val="accent2"/>
+          </a:fillRef>
+          <a:effectRef idx="0">
+            <a:schemeClr val="accent2"/>
+          </a:effectRef>
+          <a:fontRef idx="minor">
+            <a:schemeClr val="lt1"/>
+          </a:fontRef>
+        </p:style>
+        <p:txBody>
+          <a:bodyPr rtlCol="0" anchor="ctr"/>
+          <a:lstStyle/>
+          <a:p>
+            <a:pPr algn="ctr"/>
+            <a:endParaRPr lang="en-US"/>
+          </a:p>
+        </p:txBody>
+      </p:sp>
+      <p:sp>
+        <p:nvSpPr>
+          <p:cNvPr id="38" name="Rectangle 37">
+            <a:extLst>
+              <a:ext uri="{FF2B5EF4-FFF2-40B4-BE49-F238E27FC236}">
+                <a16:creationId xmlns:a16="http://schemas.microsoft.com/office/drawing/2014/main" id="{8953ECC3-51A7-E409-3E9B-82A3A1EABDA2}"/>
+              </a:ext>
+            </a:extLst>
+          </p:cNvPr>
+          <p:cNvSpPr/>
+          <p:nvPr/>
+        </p:nvSpPr>
+        <p:spPr>
+          <a:xfrm>
+            <a:off x="1079340" y="3393838"/>
+            <a:ext cx="2100649" cy="61784"/>
+          </a:xfrm>
+          <a:prstGeom prst="rect">
+            <a:avLst/>
+          </a:prstGeom>
+          <a:solidFill>
+            <a:srgbClr val="5591FF"/>
+          </a:solidFill>
+          <a:ln>
+            <a:noFill/>
+          </a:ln>
+        </p:spPr>
+        <p:style>
+          <a:lnRef idx="2">
+            <a:schemeClr val="accent1">
+              <a:shade val="50000"/>
+            </a:schemeClr>
+          </a:lnRef>
+          <a:fillRef idx="1">
+            <a:schemeClr val="accent1"/>
+          </a:fillRef>
+          <a:effectRef idx="0">
+            <a:schemeClr val="accent1"/>
+          </a:effectRef>
+          <a:fontRef idx="minor">
+            <a:schemeClr val="lt1"/>
+          </a:fontRef>
+        </p:style>
+        <p:txBody>
+          <a:bodyPr rtlCol="0" anchor="ctr"/>
+          <a:lstStyle/>
+          <a:p>
+            <a:pPr algn="ctr"/>
+            <a:endParaRPr lang="en-US"/>
+          </a:p>
+        </p:txBody>
+      </p:sp>
+      <p:sp>
+        <p:nvSpPr>
+          <p:cNvPr id="39" name="Rectangle 38">
+            <a:extLst>
+              <a:ext uri="{FF2B5EF4-FFF2-40B4-BE49-F238E27FC236}">
+                <a16:creationId xmlns:a16="http://schemas.microsoft.com/office/drawing/2014/main" id="{B578C4FB-F93D-8E2E-2CC5-78CC47D3049E}"/>
+              </a:ext>
+            </a:extLst>
+          </p:cNvPr>
+          <p:cNvSpPr/>
+          <p:nvPr/>
+        </p:nvSpPr>
+        <p:spPr>
+          <a:xfrm>
+            <a:off x="1079338" y="3769678"/>
+            <a:ext cx="2100649" cy="61784"/>
+          </a:xfrm>
+          <a:prstGeom prst="rect">
+            <a:avLst/>
+          </a:prstGeom>
+          <a:solidFill>
+            <a:srgbClr val="4374C9"/>
+          </a:solidFill>
+          <a:ln>
+            <a:noFill/>
+          </a:ln>
+        </p:spPr>
+        <p:style>
+          <a:lnRef idx="2">
+            <a:schemeClr val="accent2">
+              <a:shade val="50000"/>
+            </a:schemeClr>
+          </a:lnRef>
+          <a:fillRef idx="1">
+            <a:schemeClr val="accent2"/>
+          </a:fillRef>
+          <a:effectRef idx="0">
+            <a:schemeClr val="accent2"/>
+          </a:effectRef>
+          <a:fontRef idx="minor">
+            <a:schemeClr val="lt1"/>
+          </a:fontRef>
+        </p:style>
+        <p:txBody>
+          <a:bodyPr rtlCol="0" anchor="ctr"/>
+          <a:lstStyle/>
+          <a:p>
+            <a:pPr algn="ctr"/>
+            <a:endParaRPr lang="en-US"/>
+          </a:p>
+        </p:txBody>
+      </p:sp>
+      <p:sp>
+        <p:nvSpPr>
+          <p:cNvPr id="40" name="TextBox 39">
+            <a:extLst>
+              <a:ext uri="{FF2B5EF4-FFF2-40B4-BE49-F238E27FC236}">
+                <a16:creationId xmlns:a16="http://schemas.microsoft.com/office/drawing/2014/main" id="{19CB1FC6-9073-F069-1EEB-2B5D07805EC0}"/>
+              </a:ext>
+            </a:extLst>
+          </p:cNvPr>
+          <p:cNvSpPr txBox="1"/>
+          <p:nvPr/>
+        </p:nvSpPr>
+        <p:spPr>
+          <a:xfrm>
+            <a:off x="3258520" y="2476189"/>
+            <a:ext cx="301686" cy="369332"/>
+          </a:xfrm>
+          <a:prstGeom prst="rect">
+            <a:avLst/>
+          </a:prstGeom>
+          <a:noFill/>
+        </p:spPr>
+        <p:txBody>
+          <a:bodyPr wrap="none" rtlCol="0">
+            <a:spAutoFit/>
+          </a:bodyPr>
+          <a:lstStyle/>
+          <a:p>
+            <a:r>
+              <a:rPr lang="en-US" dirty="0"/>
+              <a:t>1</a:t>
             </a:r>
           </a:p>
         </p:txBody>
